--- a/Bison_Presentation.pptx
+++ b/Bison_Presentation.pptx
@@ -205,7 +205,7 @@
           <a:p>
             <a:fld id="{AE3FE981-2989-2947-8CB2-FD005126505A}" type="datetimeFigureOut">
               <a:rPr lang="en-US" smtClean="0"/>
-              <a:t>11/6/23</a:t>
+              <a:t>11/7/23</a:t>
             </a:fld>
             <a:endParaRPr lang="en-US"/>
           </a:p>
@@ -1304,7 +1304,7 @@
             <a:pPr algn="l"/>
             <a:fld id="{0DCFB061-4267-4D9F-8017-6F550D3068DF}" type="datetime1">
               <a:rPr lang="en-US" smtClean="0"/>
-              <a:t>11/6/23</a:t>
+              <a:t>11/7/23</a:t>
             </a:fld>
             <a:endParaRPr lang="en-US" dirty="0"/>
           </a:p>
@@ -1497,7 +1497,7 @@
           <a:p>
             <a:fld id="{8141BC61-5547-4A60-8DA1-6699760D9972}" type="datetime1">
               <a:rPr lang="en-US" smtClean="0"/>
-              <a:t>11/6/23</a:t>
+              <a:t>11/7/23</a:t>
             </a:fld>
             <a:endParaRPr lang="en-US" dirty="0"/>
           </a:p>
@@ -1682,7 +1682,7 @@
           <a:p>
             <a:fld id="{24B9D1C6-60D0-4CD1-8F31-F912522EB041}" type="datetime1">
               <a:rPr lang="en-US" smtClean="0"/>
-              <a:t>11/6/23</a:t>
+              <a:t>11/7/23</a:t>
             </a:fld>
             <a:endParaRPr lang="en-US" dirty="0"/>
           </a:p>
@@ -1911,7 +1911,7 @@
           <a:p>
             <a:fld id="{47A4ED5C-5A53-433E-8A55-46F54CE81DA5}" type="datetime1">
               <a:rPr lang="en-US" smtClean="0"/>
-              <a:t>11/6/23</a:t>
+              <a:t>11/7/23</a:t>
             </a:fld>
             <a:endParaRPr lang="en-US" dirty="0"/>
           </a:p>
@@ -2238,7 +2238,7 @@
           <a:p>
             <a:fld id="{29CABC0C-B6DF-45E9-B954-11C99AA62C3E}" type="datetime1">
               <a:rPr lang="en-US" smtClean="0"/>
-              <a:t>11/6/23</a:t>
+              <a:t>11/7/23</a:t>
             </a:fld>
             <a:endParaRPr lang="en-US" dirty="0"/>
           </a:p>
@@ -2534,7 +2534,7 @@
           <a:p>
             <a:fld id="{A4AB71B9-2624-4F21-93EE-35A78B1A0DAD}" type="datetime1">
               <a:rPr lang="en-US" smtClean="0"/>
-              <a:t>11/6/23</a:t>
+              <a:t>11/7/23</a:t>
             </a:fld>
             <a:endParaRPr lang="en-US" dirty="0"/>
           </a:p>
@@ -2955,7 +2955,7 @@
           <a:p>
             <a:fld id="{36D37C2A-BE2E-4840-A907-3254E2916C96}" type="datetime1">
               <a:rPr lang="en-US" smtClean="0"/>
-              <a:t>11/6/23</a:t>
+              <a:t>11/7/23</a:t>
             </a:fld>
             <a:endParaRPr lang="en-US" dirty="0"/>
           </a:p>
@@ -3153,7 +3153,7 @@
           <a:p>
             <a:fld id="{005CD215-1C45-48A0-8534-39FFE8A7C95A}" type="datetime1">
               <a:rPr lang="en-US" smtClean="0"/>
-              <a:t>11/6/23</a:t>
+              <a:t>11/7/23</a:t>
             </a:fld>
             <a:endParaRPr lang="en-US" dirty="0"/>
           </a:p>
@@ -3262,7 +3262,7 @@
           <a:p>
             <a:fld id="{D3363A0F-DEF3-4134-98D0-2E1276938A8B}" type="datetime1">
               <a:rPr lang="en-US" smtClean="0"/>
-              <a:t>11/6/23</a:t>
+              <a:t>11/7/23</a:t>
             </a:fld>
             <a:endParaRPr lang="en-US" dirty="0"/>
           </a:p>
@@ -3683,7 +3683,7 @@
           <a:p>
             <a:fld id="{61A2E4C8-2960-4ADD-862C-4D9643CB15AC}" type="datetime1">
               <a:rPr lang="en-US" smtClean="0"/>
-              <a:t>11/6/23</a:t>
+              <a:t>11/7/23</a:t>
             </a:fld>
             <a:endParaRPr lang="en-US" dirty="0"/>
           </a:p>
@@ -4036,7 +4036,7 @@
           <a:p>
             <a:fld id="{48BDEA15-09CD-4275-A8E0-385C965F48B0}" type="datetime1">
               <a:rPr lang="en-US" smtClean="0"/>
-              <a:t>11/6/23</a:t>
+              <a:t>11/7/23</a:t>
             </a:fld>
             <a:endParaRPr lang="en-US" dirty="0"/>
           </a:p>
@@ -4341,7 +4341,7 @@
           <a:p>
             <a:fld id="{4AF8082C-0922-4249-A612-B415F5231620}" type="datetime1">
               <a:rPr lang="en-US" smtClean="0"/>
-              <a:t>11/6/23</a:t>
+              <a:t>11/7/23</a:t>
             </a:fld>
             <a:endParaRPr lang="en-US" dirty="0"/>
           </a:p>
@@ -5065,23 +5065,7 @@
                   <a:schemeClr val="bg1"/>
                 </a:solidFill>
               </a:rPr>
-              <a:t>Does the dominant-</a:t>
-            </a:r>
-            <a:r>
-              <a:rPr lang="en-US" sz="2200" dirty="0" err="1">
-                <a:solidFill>
-                  <a:schemeClr val="bg1"/>
-                </a:solidFill>
-              </a:rPr>
-              <a:t>subordinant</a:t>
-            </a:r>
-            <a:r>
-              <a:rPr lang="en-US" sz="2200" dirty="0">
-                <a:solidFill>
-                  <a:schemeClr val="bg1"/>
-                </a:solidFill>
-              </a:rPr>
-              <a:t> relationship of male North American bison affect the number of breeding</a:t>
+              <a:t>Does the dominant-subordinate relationship of male North American bison affect the number of breeding</a:t>
             </a:r>
             <a:r>
               <a:rPr lang="zh-CN" altLang="en-US" sz="2200" dirty="0">
@@ -8890,7 +8874,7 @@
           <a:p>
             <a:r>
               <a:rPr lang="en-US" dirty="0"/>
-              <a:t>The distribution of the attribute seems normal distributed, is this means dominant has more breeding opportunities?</a:t>
+              <a:t>The distribution of the attribute seems evenly distributed, is this means dominant has more breeding opportunities?</a:t>
             </a:r>
           </a:p>
         </p:txBody>
@@ -9831,7 +9815,7 @@
             </a:pPr>
             <a:r>
               <a:rPr lang="en-US" sz="3100" dirty="0"/>
-              <a:t>Conclusion and Further step</a:t>
+              <a:t>Takeaways</a:t>
             </a:r>
           </a:p>
         </p:txBody>
